--- a/Documentação ShadowStruggles 2013/Apresentação Final - Shadow Struggles 20132.pptx
+++ b/Documentação ShadowStruggles 2013/Apresentação Final - Shadow Struggles 20132.pptx
@@ -183,7 +183,7 @@
   </p:defaultTextStyle>
   <p:extLst>
     <p:ext uri="{EFAFB233-063F-42B5-8137-9DF3F51BA10A}">
-      <p15:sldGuideLst xmlns:p15="http://schemas.microsoft.com/office/powerpoint/2012/main" xmlns="">
+      <p15:sldGuideLst xmlns="" xmlns:p15="http://schemas.microsoft.com/office/powerpoint/2012/main">
         <p15:guide id="1" orient="horz" pos="2160">
           <p15:clr>
             <a:srgbClr val="A4A3A4"/>
@@ -347,7 +347,7 @@
     </p:spTree>
     <p:extLst>
       <p:ext uri="{BB962C8B-B14F-4D97-AF65-F5344CB8AC3E}">
-        <p14:creationId xmlns:p14="http://schemas.microsoft.com/office/powerpoint/2010/main" xmlns="" val="3719320108"/>
+        <p14:creationId xmlns="" xmlns:p14="http://schemas.microsoft.com/office/powerpoint/2010/main" val="3719320108"/>
       </p:ext>
     </p:extLst>
   </p:cSld>
@@ -542,7 +542,7 @@
     </p:spTree>
     <p:extLst>
       <p:ext uri="{BB962C8B-B14F-4D97-AF65-F5344CB8AC3E}">
-        <p14:creationId xmlns:p14="http://schemas.microsoft.com/office/powerpoint/2010/main" xmlns="" val="1749944748"/>
+        <p14:creationId xmlns="" xmlns:p14="http://schemas.microsoft.com/office/powerpoint/2010/main" val="1749944748"/>
       </p:ext>
     </p:extLst>
   </p:cSld>
@@ -617,7 +617,7 @@
     </p:spTree>
     <p:extLst>
       <p:ext uri="{BB962C8B-B14F-4D97-AF65-F5344CB8AC3E}">
-        <p14:creationId xmlns:p14="http://schemas.microsoft.com/office/powerpoint/2010/main" xmlns="" val="1279394909"/>
+        <p14:creationId xmlns="" xmlns:p14="http://schemas.microsoft.com/office/powerpoint/2010/main" val="1279394909"/>
       </p:ext>
     </p:extLst>
   </p:cSld>
@@ -692,7 +692,7 @@
     </p:spTree>
     <p:extLst>
       <p:ext uri="{BB962C8B-B14F-4D97-AF65-F5344CB8AC3E}">
-        <p14:creationId xmlns:p14="http://schemas.microsoft.com/office/powerpoint/2010/main" xmlns="" val="2048042698"/>
+        <p14:creationId xmlns="" xmlns:p14="http://schemas.microsoft.com/office/powerpoint/2010/main" val="2048042698"/>
       </p:ext>
     </p:extLst>
   </p:cSld>
@@ -767,7 +767,7 @@
     </p:spTree>
     <p:extLst>
       <p:ext uri="{BB962C8B-B14F-4D97-AF65-F5344CB8AC3E}">
-        <p14:creationId xmlns:p14="http://schemas.microsoft.com/office/powerpoint/2010/main" xmlns="" val="3793956527"/>
+        <p14:creationId xmlns="" xmlns:p14="http://schemas.microsoft.com/office/powerpoint/2010/main" val="3793956527"/>
       </p:ext>
     </p:extLst>
   </p:cSld>
@@ -842,7 +842,7 @@
     </p:spTree>
     <p:extLst>
       <p:ext uri="{BB962C8B-B14F-4D97-AF65-F5344CB8AC3E}">
-        <p14:creationId xmlns:p14="http://schemas.microsoft.com/office/powerpoint/2010/main" xmlns="" val="1210242927"/>
+        <p14:creationId xmlns="" xmlns:p14="http://schemas.microsoft.com/office/powerpoint/2010/main" val="1210242927"/>
       </p:ext>
     </p:extLst>
   </p:cSld>
@@ -917,7 +917,7 @@
     </p:spTree>
     <p:extLst>
       <p:ext uri="{BB962C8B-B14F-4D97-AF65-F5344CB8AC3E}">
-        <p14:creationId xmlns:p14="http://schemas.microsoft.com/office/powerpoint/2010/main" xmlns="" val="3343896580"/>
+        <p14:creationId xmlns="" xmlns:p14="http://schemas.microsoft.com/office/powerpoint/2010/main" val="3343896580"/>
       </p:ext>
     </p:extLst>
   </p:cSld>
@@ -992,7 +992,7 @@
     </p:spTree>
     <p:extLst>
       <p:ext uri="{BB962C8B-B14F-4D97-AF65-F5344CB8AC3E}">
-        <p14:creationId xmlns:p14="http://schemas.microsoft.com/office/powerpoint/2010/main" xmlns="" val="1238724305"/>
+        <p14:creationId xmlns="" xmlns:p14="http://schemas.microsoft.com/office/powerpoint/2010/main" val="1238724305"/>
       </p:ext>
     </p:extLst>
   </p:cSld>
@@ -1067,7 +1067,7 @@
     </p:spTree>
     <p:extLst>
       <p:ext uri="{BB962C8B-B14F-4D97-AF65-F5344CB8AC3E}">
-        <p14:creationId xmlns:p14="http://schemas.microsoft.com/office/powerpoint/2010/main" xmlns="" val="2101499908"/>
+        <p14:creationId xmlns="" xmlns:p14="http://schemas.microsoft.com/office/powerpoint/2010/main" val="2101499908"/>
       </p:ext>
     </p:extLst>
   </p:cSld>
@@ -1142,7 +1142,7 @@
     </p:spTree>
     <p:extLst>
       <p:ext uri="{BB962C8B-B14F-4D97-AF65-F5344CB8AC3E}">
-        <p14:creationId xmlns:p14="http://schemas.microsoft.com/office/powerpoint/2010/main" xmlns="" val="2663408693"/>
+        <p14:creationId xmlns="" xmlns:p14="http://schemas.microsoft.com/office/powerpoint/2010/main" val="2663408693"/>
       </p:ext>
     </p:extLst>
   </p:cSld>
@@ -1217,7 +1217,7 @@
     </p:spTree>
     <p:extLst>
       <p:ext uri="{BB962C8B-B14F-4D97-AF65-F5344CB8AC3E}">
-        <p14:creationId xmlns:p14="http://schemas.microsoft.com/office/powerpoint/2010/main" xmlns="" val="3945260381"/>
+        <p14:creationId xmlns="" xmlns:p14="http://schemas.microsoft.com/office/powerpoint/2010/main" val="3945260381"/>
       </p:ext>
     </p:extLst>
   </p:cSld>
@@ -1292,7 +1292,7 @@
     </p:spTree>
     <p:extLst>
       <p:ext uri="{BB962C8B-B14F-4D97-AF65-F5344CB8AC3E}">
-        <p14:creationId xmlns:p14="http://schemas.microsoft.com/office/powerpoint/2010/main" xmlns="" val="997760805"/>
+        <p14:creationId xmlns="" xmlns:p14="http://schemas.microsoft.com/office/powerpoint/2010/main" val="997760805"/>
       </p:ext>
     </p:extLst>
   </p:cSld>
@@ -1367,7 +1367,7 @@
     </p:spTree>
     <p:extLst>
       <p:ext uri="{BB962C8B-B14F-4D97-AF65-F5344CB8AC3E}">
-        <p14:creationId xmlns:p14="http://schemas.microsoft.com/office/powerpoint/2010/main" xmlns="" val="445952353"/>
+        <p14:creationId xmlns="" xmlns:p14="http://schemas.microsoft.com/office/powerpoint/2010/main" val="445952353"/>
       </p:ext>
     </p:extLst>
   </p:cSld>
@@ -1442,7 +1442,7 @@
     </p:spTree>
     <p:extLst>
       <p:ext uri="{BB962C8B-B14F-4D97-AF65-F5344CB8AC3E}">
-        <p14:creationId xmlns:p14="http://schemas.microsoft.com/office/powerpoint/2010/main" xmlns="" val="3978611471"/>
+        <p14:creationId xmlns="" xmlns:p14="http://schemas.microsoft.com/office/powerpoint/2010/main" val="3978611471"/>
       </p:ext>
     </p:extLst>
   </p:cSld>
@@ -1517,7 +1517,7 @@
     </p:spTree>
     <p:extLst>
       <p:ext uri="{BB962C8B-B14F-4D97-AF65-F5344CB8AC3E}">
-        <p14:creationId xmlns:p14="http://schemas.microsoft.com/office/powerpoint/2010/main" xmlns="" val="3440764666"/>
+        <p14:creationId xmlns="" xmlns:p14="http://schemas.microsoft.com/office/powerpoint/2010/main" val="3440764666"/>
       </p:ext>
     </p:extLst>
   </p:cSld>
@@ -1592,7 +1592,7 @@
     </p:spTree>
     <p:extLst>
       <p:ext uri="{BB962C8B-B14F-4D97-AF65-F5344CB8AC3E}">
-        <p14:creationId xmlns:p14="http://schemas.microsoft.com/office/powerpoint/2010/main" xmlns="" val="960800269"/>
+        <p14:creationId xmlns="" xmlns:p14="http://schemas.microsoft.com/office/powerpoint/2010/main" val="960800269"/>
       </p:ext>
     </p:extLst>
   </p:cSld>
@@ -1667,7 +1667,7 @@
     </p:spTree>
     <p:extLst>
       <p:ext uri="{BB962C8B-B14F-4D97-AF65-F5344CB8AC3E}">
-        <p14:creationId xmlns:p14="http://schemas.microsoft.com/office/powerpoint/2010/main" xmlns="" val="1772088517"/>
+        <p14:creationId xmlns="" xmlns:p14="http://schemas.microsoft.com/office/powerpoint/2010/main" val="1772088517"/>
       </p:ext>
     </p:extLst>
   </p:cSld>
@@ -1742,7 +1742,7 @@
     </p:spTree>
     <p:extLst>
       <p:ext uri="{BB962C8B-B14F-4D97-AF65-F5344CB8AC3E}">
-        <p14:creationId xmlns:p14="http://schemas.microsoft.com/office/powerpoint/2010/main" xmlns="" val="3669669905"/>
+        <p14:creationId xmlns="" xmlns:p14="http://schemas.microsoft.com/office/powerpoint/2010/main" val="3669669905"/>
       </p:ext>
     </p:extLst>
   </p:cSld>
@@ -1817,7 +1817,7 @@
     </p:spTree>
     <p:extLst>
       <p:ext uri="{BB962C8B-B14F-4D97-AF65-F5344CB8AC3E}">
-        <p14:creationId xmlns:p14="http://schemas.microsoft.com/office/powerpoint/2010/main" xmlns="" val="3973807905"/>
+        <p14:creationId xmlns="" xmlns:p14="http://schemas.microsoft.com/office/powerpoint/2010/main" val="3973807905"/>
       </p:ext>
     </p:extLst>
   </p:cSld>
@@ -1892,7 +1892,7 @@
     </p:spTree>
     <p:extLst>
       <p:ext uri="{BB962C8B-B14F-4D97-AF65-F5344CB8AC3E}">
-        <p14:creationId xmlns:p14="http://schemas.microsoft.com/office/powerpoint/2010/main" xmlns="" val="674316450"/>
+        <p14:creationId xmlns="" xmlns:p14="http://schemas.microsoft.com/office/powerpoint/2010/main" val="674316450"/>
       </p:ext>
     </p:extLst>
   </p:cSld>
@@ -1967,7 +1967,7 @@
     </p:spTree>
     <p:extLst>
       <p:ext uri="{BB962C8B-B14F-4D97-AF65-F5344CB8AC3E}">
-        <p14:creationId xmlns:p14="http://schemas.microsoft.com/office/powerpoint/2010/main" xmlns="" val="3762630669"/>
+        <p14:creationId xmlns="" xmlns:p14="http://schemas.microsoft.com/office/powerpoint/2010/main" val="3762630669"/>
       </p:ext>
     </p:extLst>
   </p:cSld>
@@ -2042,7 +2042,7 @@
     </p:spTree>
     <p:extLst>
       <p:ext uri="{BB962C8B-B14F-4D97-AF65-F5344CB8AC3E}">
-        <p14:creationId xmlns:p14="http://schemas.microsoft.com/office/powerpoint/2010/main" xmlns="" val="712184455"/>
+        <p14:creationId xmlns="" xmlns:p14="http://schemas.microsoft.com/office/powerpoint/2010/main" val="712184455"/>
       </p:ext>
     </p:extLst>
   </p:cSld>
@@ -2117,7 +2117,7 @@
     </p:spTree>
     <p:extLst>
       <p:ext uri="{BB962C8B-B14F-4D97-AF65-F5344CB8AC3E}">
-        <p14:creationId xmlns:p14="http://schemas.microsoft.com/office/powerpoint/2010/main" xmlns="" val="1953088842"/>
+        <p14:creationId xmlns="" xmlns:p14="http://schemas.microsoft.com/office/powerpoint/2010/main" val="1953088842"/>
       </p:ext>
     </p:extLst>
   </p:cSld>
@@ -2192,7 +2192,7 @@
     </p:spTree>
     <p:extLst>
       <p:ext uri="{BB962C8B-B14F-4D97-AF65-F5344CB8AC3E}">
-        <p14:creationId xmlns:p14="http://schemas.microsoft.com/office/powerpoint/2010/main" xmlns="" val="377763460"/>
+        <p14:creationId xmlns="" xmlns:p14="http://schemas.microsoft.com/office/powerpoint/2010/main" val="377763460"/>
       </p:ext>
     </p:extLst>
   </p:cSld>
@@ -2267,7 +2267,7 @@
     </p:spTree>
     <p:extLst>
       <p:ext uri="{BB962C8B-B14F-4D97-AF65-F5344CB8AC3E}">
-        <p14:creationId xmlns:p14="http://schemas.microsoft.com/office/powerpoint/2010/main" xmlns="" val="3783372005"/>
+        <p14:creationId xmlns="" xmlns:p14="http://schemas.microsoft.com/office/powerpoint/2010/main" val="3783372005"/>
       </p:ext>
     </p:extLst>
   </p:cSld>
@@ -2342,7 +2342,7 @@
     </p:spTree>
     <p:extLst>
       <p:ext uri="{BB962C8B-B14F-4D97-AF65-F5344CB8AC3E}">
-        <p14:creationId xmlns:p14="http://schemas.microsoft.com/office/powerpoint/2010/main" xmlns="" val="3830653799"/>
+        <p14:creationId xmlns="" xmlns:p14="http://schemas.microsoft.com/office/powerpoint/2010/main" val="3830653799"/>
       </p:ext>
     </p:extLst>
   </p:cSld>
@@ -2417,7 +2417,7 @@
     </p:spTree>
     <p:extLst>
       <p:ext uri="{BB962C8B-B14F-4D97-AF65-F5344CB8AC3E}">
-        <p14:creationId xmlns:p14="http://schemas.microsoft.com/office/powerpoint/2010/main" xmlns="" val="2748542772"/>
+        <p14:creationId xmlns="" xmlns:p14="http://schemas.microsoft.com/office/powerpoint/2010/main" val="2748542772"/>
       </p:ext>
     </p:extLst>
   </p:cSld>
@@ -8899,7 +8899,7 @@
       </p:sp>
       <p:pic>
         <p:nvPicPr>
-          <p:cNvPr id="2050" name="Picture 2"/>
+          <p:cNvPr id="2" name="Picture 2"/>
           <p:cNvPicPr>
             <a:picLocks noChangeAspect="1" noChangeArrowheads="1"/>
           </p:cNvPicPr>
@@ -8914,8 +8914,8 @@
         </p:blipFill>
         <p:spPr bwMode="auto">
           <a:xfrm>
-            <a:off x="755576" y="1412776"/>
-            <a:ext cx="6134100" cy="5172075"/>
+            <a:off x="755576" y="1457325"/>
+            <a:ext cx="7639050" cy="5400675"/>
           </a:xfrm>
           <a:prstGeom prst="rect">
             <a:avLst/>
@@ -11574,7 +11574,7 @@
       </p:sp>
       <p:pic>
         <p:nvPicPr>
-          <p:cNvPr id="9218" name="Picture 2"/>
+          <p:cNvPr id="3074" name="Picture 2"/>
           <p:cNvPicPr>
             <a:picLocks noChangeAspect="1" noChangeArrowheads="1"/>
           </p:cNvPicPr>
@@ -11589,8 +11589,8 @@
         </p:blipFill>
         <p:spPr bwMode="auto">
           <a:xfrm>
-            <a:off x="323528" y="2420888"/>
-            <a:ext cx="8382000" cy="2590800"/>
+            <a:off x="395536" y="2492896"/>
+            <a:ext cx="8604448" cy="2500291"/>
           </a:xfrm>
           <a:prstGeom prst="rect">
             <a:avLst/>
@@ -12725,7 +12725,7 @@
     </p:spTree>
     <p:extLst>
       <p:ext uri="{BB962C8B-B14F-4D97-AF65-F5344CB8AC3E}">
-        <p14:creationId xmlns:p14="http://schemas.microsoft.com/office/powerpoint/2010/main" xmlns="" val="515358617"/>
+        <p14:creationId xmlns="" xmlns:p14="http://schemas.microsoft.com/office/powerpoint/2010/main" val="515358617"/>
       </p:ext>
     </p:extLst>
   </p:cSld>
@@ -13082,7 +13082,7 @@
     </p:spTree>
     <p:extLst>
       <p:ext uri="{BB962C8B-B14F-4D97-AF65-F5344CB8AC3E}">
-        <p14:creationId xmlns:p14="http://schemas.microsoft.com/office/powerpoint/2010/main" xmlns="" val="2897777431"/>
+        <p14:creationId xmlns="" xmlns:p14="http://schemas.microsoft.com/office/powerpoint/2010/main" val="2897777431"/>
       </p:ext>
     </p:extLst>
   </p:cSld>
@@ -13178,7 +13178,7 @@
     </p:spTree>
     <p:extLst>
       <p:ext uri="{BB962C8B-B14F-4D97-AF65-F5344CB8AC3E}">
-        <p14:creationId xmlns:p14="http://schemas.microsoft.com/office/powerpoint/2010/main" xmlns="" val="698420656"/>
+        <p14:creationId xmlns="" xmlns:p14="http://schemas.microsoft.com/office/powerpoint/2010/main" val="698420656"/>
       </p:ext>
     </p:extLst>
   </p:cSld>
@@ -13274,7 +13274,7 @@
     </p:spTree>
     <p:extLst>
       <p:ext uri="{BB962C8B-B14F-4D97-AF65-F5344CB8AC3E}">
-        <p14:creationId xmlns:p14="http://schemas.microsoft.com/office/powerpoint/2010/main" xmlns="" val="3441995528"/>
+        <p14:creationId xmlns="" xmlns:p14="http://schemas.microsoft.com/office/powerpoint/2010/main" val="3441995528"/>
       </p:ext>
     </p:extLst>
   </p:cSld>
@@ -13605,11 +13605,6 @@
               </a:rPr>
               <a:t> do RPG</a:t>
             </a:r>
-            <a:endParaRPr lang="en-US" sz="3000" dirty="0" smtClean="0">
-              <a:latin typeface="Times New Roman" pitchFamily="18" charset="0"/>
-              <a:cs typeface="Times New Roman" pitchFamily="18" charset="0"/>
-              <a:sym typeface="Times New Roman" pitchFamily="18" charset="0"/>
-            </a:endParaRPr>
           </a:p>
         </p:txBody>
       </p:sp>
@@ -13865,13 +13860,7 @@
               <a:rPr lang="pt-BR" sz="2000" u="sng" dirty="0" smtClean="0">
                 <a:hlinkClick r:id="rId3"/>
               </a:rPr>
-              <a:t>http://studioblackjack.blogspot.com.br</a:t>
-            </a:r>
-            <a:r>
-              <a:rPr lang="pt-BR" sz="2000" u="sng" dirty="0" smtClean="0">
-                <a:hlinkClick r:id="rId3"/>
-              </a:rPr>
-              <a:t>/</a:t>
+              <a:t>http://studioblackjack.blogspot.com.br/</a:t>
             </a:r>
             <a:endParaRPr lang="pt-BR" sz="2000" u="sng" dirty="0" smtClean="0"/>
           </a:p>
@@ -13898,13 +13887,7 @@
               <a:rPr lang="pt-BR" sz="2000" u="sng" dirty="0" smtClean="0">
                 <a:hlinkClick r:id="rId4"/>
               </a:rPr>
-              <a:t>https://fw.lab.sp.cefetsp.br/svn/a6pgp/A2013-PDS/ShadowStruggles</a:t>
-            </a:r>
-            <a:r>
-              <a:rPr lang="pt-BR" sz="2000" u="sng" dirty="0" smtClean="0">
-                <a:hlinkClick r:id="rId4"/>
-              </a:rPr>
-              <a:t>/</a:t>
+              <a:t>https://fw.lab.sp.cefetsp.br/svn/a6pgp/A2013-PDS/ShadowStruggles/</a:t>
             </a:r>
             <a:endParaRPr lang="pt-BR" sz="2000" u="sng" dirty="0" smtClean="0"/>
           </a:p>
@@ -13935,13 +13918,7 @@
               <a:rPr lang="pt-BR" sz="2000" u="sng" dirty="0" smtClean="0">
                 <a:hlinkClick r:id="rId5"/>
               </a:rPr>
-              <a:t>https://shadowstruggles.googlecode.com/svn</a:t>
-            </a:r>
-            <a:r>
-              <a:rPr lang="pt-BR" sz="2000" u="sng" dirty="0" smtClean="0">
-                <a:hlinkClick r:id="rId5"/>
-              </a:rPr>
-              <a:t>/</a:t>
+              <a:t>https://shadowstruggles.googlecode.com/svn/</a:t>
             </a:r>
             <a:endParaRPr lang="pt-BR" sz="2000" u="sng" dirty="0" smtClean="0"/>
           </a:p>
@@ -13973,13 +13950,7 @@
               <a:rPr lang="pt-BR" sz="2000" u="sng" dirty="0" smtClean="0">
                 <a:hlinkClick r:id="rId6"/>
               </a:rPr>
-              <a:t>https://</a:t>
-            </a:r>
-            <a:r>
-              <a:rPr lang="pt-BR" sz="2000" u="sng" dirty="0" smtClean="0">
-                <a:hlinkClick r:id="rId6"/>
-              </a:rPr>
-              <a:t>www.youtube.com/user/TheStudioBlackJack</a:t>
+              <a:t>https://www.youtube.com/user/TheStudioBlackJack</a:t>
             </a:r>
             <a:endParaRPr lang="pt-BR" sz="2000" u="sng" dirty="0" smtClean="0"/>
           </a:p>
@@ -14011,13 +13982,7 @@
               <a:rPr lang="en-US" sz="2000" u="sng" dirty="0" smtClean="0">
                 <a:hlinkClick r:id="rId7"/>
               </a:rPr>
-              <a:t>http://blackjack.clockingit.com</a:t>
-            </a:r>
-            <a:r>
-              <a:rPr lang="en-US" sz="2000" u="sng" dirty="0" smtClean="0">
-                <a:hlinkClick r:id="rId7"/>
-              </a:rPr>
-              <a:t>/</a:t>
+              <a:t>http://blackjack.clockingit.com/</a:t>
             </a:r>
             <a:endParaRPr lang="en-US" sz="2000" u="sng" dirty="0" smtClean="0"/>
           </a:p>
@@ -16220,7 +16185,7 @@
       </p:sp>
       <p:pic>
         <p:nvPicPr>
-          <p:cNvPr id="1026" name="Picture 2"/>
+          <p:cNvPr id="4" name="Picture 2"/>
           <p:cNvPicPr>
             <a:picLocks noChangeAspect="1" noChangeArrowheads="1"/>
           </p:cNvPicPr>
@@ -16235,8 +16200,8 @@
         </p:blipFill>
         <p:spPr bwMode="auto">
           <a:xfrm>
-            <a:off x="467544" y="1556792"/>
-            <a:ext cx="7486650" cy="2419350"/>
+            <a:off x="539552" y="1772816"/>
+            <a:ext cx="8006053" cy="3672408"/>
           </a:xfrm>
           <a:prstGeom prst="rect">
             <a:avLst/>
